--- a/Course Day 8/Webmonk Course (day - 8).pptx
+++ b/Course Day 8/Webmonk Course (day - 8).pptx
@@ -20098,7 +20098,7 @@
             </a:pPr>
             <a:r>
               <a:rPr lang="en-IN"/>
-              <a:t>WEBMONK (COURSE DAY - 7)</a:t>
+              <a:t>WEBMONK (COURSE DAY - 8)</a:t>
             </a:r>
             <a:endParaRPr/>
           </a:p>
@@ -21797,9 +21797,9 @@
 </file>
 
 <file path=ppt/theme/theme1.xml><?xml version="1.0" encoding="utf-8"?>
-<a:theme xmlns:a="http://schemas.openxmlformats.org/drawingml/2006/main" xmlns:r="http://schemas.openxmlformats.org/officeDocument/2006/relationships" name="Parcel">
+<a:theme xmlns:a="http://schemas.openxmlformats.org/drawingml/2006/main" xmlns:r="http://schemas.openxmlformats.org/officeDocument/2006/relationships" name="Office Theme">
   <a:themeElements>
-    <a:clrScheme name="Parcel">
+    <a:clrScheme name="Office">
       <a:dk1>
         <a:srgbClr val="000000"/>
       </a:dk1>
@@ -21807,34 +21807,34 @@
         <a:srgbClr val="FFFFFF"/>
       </a:lt1>
       <a:dk2>
-        <a:srgbClr val="5E5E5E"/>
+        <a:srgbClr val="44546A"/>
       </a:dk2>
       <a:lt2>
-        <a:srgbClr val="DDDDDD"/>
+        <a:srgbClr val="E7E6E6"/>
       </a:lt2>
       <a:accent1>
-        <a:srgbClr val="A6B727"/>
+        <a:srgbClr val="4472C4"/>
       </a:accent1>
       <a:accent2>
-        <a:srgbClr val="418AB3"/>
+        <a:srgbClr val="ED7D31"/>
       </a:accent2>
       <a:accent3>
-        <a:srgbClr val="F69200"/>
+        <a:srgbClr val="A5A5A5"/>
       </a:accent3>
       <a:accent4>
-        <a:srgbClr val="838383"/>
+        <a:srgbClr val="FFC000"/>
       </a:accent4>
       <a:accent5>
-        <a:srgbClr val="FEC306"/>
+        <a:srgbClr val="5B9BD5"/>
       </a:accent5>
       <a:accent6>
-        <a:srgbClr val="DF5327"/>
+        <a:srgbClr val="70AD47"/>
       </a:accent6>
       <a:hlink>
-        <a:srgbClr val="F59E00"/>
+        <a:srgbClr val="0563C1"/>
       </a:hlink>
       <a:folHlink>
-        <a:srgbClr val="B2B2B2"/>
+        <a:srgbClr val="954F72"/>
       </a:folHlink>
     </a:clrScheme>
     <a:fontScheme name="Office">
@@ -22076,9 +22076,9 @@
 </file>
 
 <file path=ppt/theme/theme2.xml><?xml version="1.0" encoding="utf-8"?>
-<a:theme xmlns:a="http://schemas.openxmlformats.org/drawingml/2006/main" xmlns:r="http://schemas.openxmlformats.org/officeDocument/2006/relationships" name="Office Theme">
+<a:theme xmlns:a="http://schemas.openxmlformats.org/drawingml/2006/main" xmlns:r="http://schemas.openxmlformats.org/officeDocument/2006/relationships" name="Parcel">
   <a:themeElements>
-    <a:clrScheme name="Office">
+    <a:clrScheme name="Parcel">
       <a:dk1>
         <a:srgbClr val="000000"/>
       </a:dk1>
@@ -22086,34 +22086,34 @@
         <a:srgbClr val="FFFFFF"/>
       </a:lt1>
       <a:dk2>
-        <a:srgbClr val="44546A"/>
+        <a:srgbClr val="5E5E5E"/>
       </a:dk2>
       <a:lt2>
-        <a:srgbClr val="E7E6E6"/>
+        <a:srgbClr val="DDDDDD"/>
       </a:lt2>
       <a:accent1>
-        <a:srgbClr val="4472C4"/>
+        <a:srgbClr val="A6B727"/>
       </a:accent1>
       <a:accent2>
-        <a:srgbClr val="ED7D31"/>
+        <a:srgbClr val="418AB3"/>
       </a:accent2>
       <a:accent3>
-        <a:srgbClr val="A5A5A5"/>
+        <a:srgbClr val="F69200"/>
       </a:accent3>
       <a:accent4>
-        <a:srgbClr val="FFC000"/>
+        <a:srgbClr val="838383"/>
       </a:accent4>
       <a:accent5>
-        <a:srgbClr val="5B9BD5"/>
+        <a:srgbClr val="FEC306"/>
       </a:accent5>
       <a:accent6>
-        <a:srgbClr val="70AD47"/>
+        <a:srgbClr val="DF5327"/>
       </a:accent6>
       <a:hlink>
-        <a:srgbClr val="0563C1"/>
+        <a:srgbClr val="F59E00"/>
       </a:hlink>
       <a:folHlink>
-        <a:srgbClr val="954F72"/>
+        <a:srgbClr val="B2B2B2"/>
       </a:folHlink>
     </a:clrScheme>
     <a:fontScheme name="Office">
